--- a/高新参保培训.pptx
+++ b/高新参保培训.pptx
@@ -503,7 +503,7 @@
             <a:fld id="{B9EEDA17-7CE7-49CA-897E-A1888A19DA62}" type="datetimeFigureOut">
               <a:rPr lang="zh-CN" altLang="en-US"/>
               <a:pPr/>
-              <a:t>2019/9/28</a:t>
+              <a:t>2019/11/11</a:t>
             </a:fld>
             <a:endParaRPr lang="en-US"/>
           </a:p>
@@ -13068,10 +13068,6 @@
               </a:rPr>
               <a:t>人员暂停缴费</a:t>
             </a:r>
-            <a:endParaRPr lang="zh-CN" altLang="en-US" sz="3600" b="1" noProof="1">
-              <a:latin typeface="微软雅黑" panose="020B0503020204020204" pitchFamily="34" charset="-122"/>
-              <a:ea typeface="微软雅黑" panose="020B0503020204020204" pitchFamily="34" charset="-122"/>
-            </a:endParaRPr>
           </a:p>
         </p:txBody>
       </p:sp>
@@ -13199,13 +13195,13 @@
   <p:clrMapOvr>
     <a:masterClrMapping/>
   </p:clrMapOvr>
-  <mc:AlternateContent xmlns:mc="http://schemas.openxmlformats.org/markup-compatibility/2006">
-    <mc:Choice xmlns:p14="http://schemas.microsoft.com/office/powerpoint/2010/main" Requires="p14">
+  <mc:AlternateContent xmlns:mc="http://schemas.openxmlformats.org/markup-compatibility/2006" xmlns:p14="http://schemas.microsoft.com/office/powerpoint/2010/main">
+    <mc:Choice Requires="p14">
       <p:transition spd="slow" p14:dur="1200" advTm="0">
         <p14:flip dir="r"/>
       </p:transition>
     </mc:Choice>
-    <mc:Fallback>
+    <mc:Fallback xmlns="">
       <p:transition spd="slow" advTm="0">
         <p:fade/>
       </p:transition>
@@ -13502,16 +13498,6 @@
                 </a:rPr>
                 <a:t>月度人员增减申报</a:t>
               </a:r>
-              <a:endParaRPr lang="zh-CN" altLang="en-US" sz="7200" dirty="0">
-                <a:solidFill>
-                  <a:schemeClr val="tx1">
-                    <a:lumMod val="65000"/>
-                    <a:lumOff val="35000"/>
-                  </a:schemeClr>
-                </a:solidFill>
-                <a:latin typeface="微软雅黑" charset="0"/>
-                <a:ea typeface="微软雅黑" charset="0"/>
-              </a:endParaRPr>
             </a:p>
           </p:txBody>
         </p:sp>
@@ -13563,13 +13549,13 @@
   <p:clrMapOvr>
     <a:masterClrMapping/>
   </p:clrMapOvr>
-  <mc:AlternateContent xmlns:mc="http://schemas.openxmlformats.org/markup-compatibility/2006">
-    <mc:Choice xmlns:p14="http://schemas.microsoft.com/office/powerpoint/2010/main" Requires="p14">
+  <mc:AlternateContent xmlns:mc="http://schemas.openxmlformats.org/markup-compatibility/2006" xmlns:p14="http://schemas.microsoft.com/office/powerpoint/2010/main">
+    <mc:Choice Requires="p14">
       <p:transition spd="slow" p14:dur="900" advTm="0">
         <p14:warp dir="in"/>
       </p:transition>
     </mc:Choice>
-    <mc:Fallback>
+    <mc:Fallback xmlns="">
       <p:transition spd="slow" advTm="0">
         <p:fade/>
       </p:transition>
@@ -13848,20 +13834,7 @@
                 <a:latin typeface="微软雅黑" panose="020B0503020204020204" pitchFamily="34" charset="-122"/>
                 <a:ea typeface="微软雅黑" panose="020B0503020204020204" pitchFamily="34" charset="-122"/>
               </a:rPr>
-              <a:t>度人员增减</a:t>
-            </a:r>
-            <a:r>
-              <a:rPr lang="zh-CN" altLang="en-US" sz="3200" b="1" noProof="1">
-                <a:solidFill>
-                  <a:schemeClr val="tx1">
-                    <a:lumMod val="65000"/>
-                    <a:lumOff val="35000"/>
-                  </a:schemeClr>
-                </a:solidFill>
-                <a:latin typeface="微软雅黑" panose="020B0503020204020204" pitchFamily="34" charset="-122"/>
-                <a:ea typeface="微软雅黑" panose="020B0503020204020204" pitchFamily="34" charset="-122"/>
-              </a:rPr>
-              <a:t>申</a:t>
+              <a:t>度人员增减申</a:t>
             </a:r>
             <a:r>
               <a:rPr lang="zh-CN" altLang="en-US" sz="3200" b="1" noProof="1" smtClean="0">
@@ -14121,13 +14094,13 @@
   <p:clrMapOvr>
     <a:masterClrMapping/>
   </p:clrMapOvr>
-  <mc:AlternateContent xmlns:mc="http://schemas.openxmlformats.org/markup-compatibility/2006">
-    <mc:Choice xmlns:p14="http://schemas.microsoft.com/office/powerpoint/2010/main" Requires="p14">
+  <mc:AlternateContent xmlns:mc="http://schemas.openxmlformats.org/markup-compatibility/2006" xmlns:p14="http://schemas.microsoft.com/office/powerpoint/2010/main">
+    <mc:Choice Requires="p14">
       <p:transition spd="slow" p14:dur="1200" advTm="0">
         <p14:flip dir="r"/>
       </p:transition>
     </mc:Choice>
-    <mc:Fallback>
+    <mc:Fallback xmlns="">
       <p:transition spd="slow" advTm="0">
         <p:fade/>
       </p:transition>
@@ -14181,11 +14154,7 @@
             </a:r>
             <a:r>
               <a:rPr lang="zh-CN" altLang="en-US" sz="3600" b="1" dirty="0" smtClean="0"/>
-              <a:t>及的</a:t>
-            </a:r>
-            <a:r>
-              <a:rPr lang="zh-CN" altLang="en-US" sz="3600" b="1" dirty="0" smtClean="0"/>
-              <a:t>表和过程</a:t>
+              <a:t>及的表和过程</a:t>
             </a:r>
             <a:endParaRPr lang="zh-CN" altLang="en-US" sz="3600" b="1" dirty="0"/>
           </a:p>
@@ -14452,20 +14421,7 @@
                 <a:latin typeface="微软雅黑" panose="020B0503020204020204" pitchFamily="34" charset="-122"/>
                 <a:ea typeface="微软雅黑" panose="020B0503020204020204" pitchFamily="34" charset="-122"/>
               </a:rPr>
-              <a:t>wsjb.i</a:t>
-            </a:r>
-            <a:r>
-              <a:rPr lang="en-US" altLang="zh-CN" sz="1400" dirty="0" smtClean="0">
-                <a:solidFill>
-                  <a:schemeClr val="tx1">
-                    <a:lumMod val="65000"/>
-                    <a:lumOff val="35000"/>
-                  </a:schemeClr>
-                </a:solidFill>
-                <a:latin typeface="微软雅黑" panose="020B0503020204020204" pitchFamily="34" charset="-122"/>
-                <a:ea typeface="微软雅黑" panose="020B0503020204020204" pitchFamily="34" charset="-122"/>
-              </a:rPr>
-              <a:t>rac01</a:t>
+              <a:t>wsjb.irac01</a:t>
             </a:r>
           </a:p>
           <a:p>
@@ -14732,13 +14688,13 @@
   <p:clrMapOvr>
     <a:masterClrMapping/>
   </p:clrMapOvr>
-  <mc:AlternateContent xmlns:mc="http://schemas.openxmlformats.org/markup-compatibility/2006">
-    <mc:Choice xmlns:p14="http://schemas.microsoft.com/office/powerpoint/2010/main" Requires="p14">
+  <mc:AlternateContent xmlns:mc="http://schemas.openxmlformats.org/markup-compatibility/2006" xmlns:p14="http://schemas.microsoft.com/office/powerpoint/2010/main">
+    <mc:Choice Requires="p14">
       <p:transition spd="slow" p14:dur="1200" advTm="0">
         <p14:flip dir="r"/>
       </p:transition>
     </mc:Choice>
-    <mc:Fallback>
+    <mc:Fallback xmlns="">
       <p:transition spd="slow" advTm="0">
         <p:fade/>
       </p:transition>
@@ -14793,10 +14749,6 @@
               </a:rPr>
               <a:t>月度人员增减申报</a:t>
             </a:r>
-            <a:endParaRPr lang="zh-CN" altLang="en-US" sz="3600" b="1" dirty="0">
-              <a:latin typeface="微软雅黑" charset="0"/>
-              <a:ea typeface="微软雅黑" charset="0"/>
-            </a:endParaRPr>
           </a:p>
         </p:txBody>
       </p:sp>
@@ -14989,13 +14941,13 @@
   <p:clrMapOvr>
     <a:masterClrMapping/>
   </p:clrMapOvr>
-  <mc:AlternateContent xmlns:mc="http://schemas.openxmlformats.org/markup-compatibility/2006">
-    <mc:Choice xmlns:p14="http://schemas.microsoft.com/office/powerpoint/2010/main" Requires="p14">
+  <mc:AlternateContent xmlns:mc="http://schemas.openxmlformats.org/markup-compatibility/2006" xmlns:p14="http://schemas.microsoft.com/office/powerpoint/2010/main">
+    <mc:Choice Requires="p14">
       <p:transition spd="slow" p14:dur="1200" advTm="0">
         <p14:flip dir="r"/>
       </p:transition>
     </mc:Choice>
-    <mc:Fallback>
+    <mc:Fallback xmlns="">
       <p:transition spd="slow" advTm="0">
         <p:fade/>
       </p:transition>
@@ -15188,13 +15140,13 @@
   <p:clrMapOvr>
     <a:masterClrMapping/>
   </p:clrMapOvr>
-  <mc:AlternateContent xmlns:mc="http://schemas.openxmlformats.org/markup-compatibility/2006">
-    <mc:Choice xmlns:p14="http://schemas.microsoft.com/office/powerpoint/2010/main" Requires="p14">
+  <mc:AlternateContent xmlns:mc="http://schemas.openxmlformats.org/markup-compatibility/2006" xmlns:p14="http://schemas.microsoft.com/office/powerpoint/2010/main">
+    <mc:Choice Requires="p14">
       <p:transition spd="slow" p14:dur="1200" advTm="0">
         <p14:flip dir="r"/>
       </p:transition>
     </mc:Choice>
-    <mc:Fallback>
+    <mc:Fallback xmlns="">
       <p:transition spd="slow" advTm="0">
         <p:fade/>
       </p:transition>
@@ -15419,13 +15371,13 @@
   <p:clrMapOvr>
     <a:masterClrMapping/>
   </p:clrMapOvr>
-  <mc:AlternateContent xmlns:mc="http://schemas.openxmlformats.org/markup-compatibility/2006">
-    <mc:Choice xmlns:p14="http://schemas.microsoft.com/office/powerpoint/2010/main" Requires="p14">
+  <mc:AlternateContent xmlns:mc="http://schemas.openxmlformats.org/markup-compatibility/2006" xmlns:p14="http://schemas.microsoft.com/office/powerpoint/2010/main">
+    <mc:Choice Requires="p14">
       <p:transition spd="slow" p14:dur="1200" advTm="0">
         <p14:flip dir="r"/>
       </p:transition>
     </mc:Choice>
-    <mc:Fallback>
+    <mc:Fallback xmlns="">
       <p:transition spd="slow" advTm="0">
         <p:fade/>
       </p:transition>
@@ -15650,13 +15602,13 @@
   <p:clrMapOvr>
     <a:masterClrMapping/>
   </p:clrMapOvr>
-  <mc:AlternateContent xmlns:mc="http://schemas.openxmlformats.org/markup-compatibility/2006">
-    <mc:Choice xmlns:p14="http://schemas.microsoft.com/office/powerpoint/2010/main" Requires="p14">
+  <mc:AlternateContent xmlns:mc="http://schemas.openxmlformats.org/markup-compatibility/2006" xmlns:p14="http://schemas.microsoft.com/office/powerpoint/2010/main">
+    <mc:Choice Requires="p14">
       <p:transition spd="slow" p14:dur="1200" advTm="0">
         <p14:flip dir="r"/>
       </p:transition>
     </mc:Choice>
-    <mc:Fallback>
+    <mc:Fallback xmlns="">
       <p:transition spd="slow" advTm="0">
         <p:fade/>
       </p:transition>
@@ -16144,13 +16096,13 @@
   <p:clrMapOvr>
     <a:masterClrMapping/>
   </p:clrMapOvr>
-  <mc:AlternateContent xmlns:mc="http://schemas.openxmlformats.org/markup-compatibility/2006">
-    <mc:Choice xmlns:p14="http://schemas.microsoft.com/office/powerpoint/2010/main" Requires="p14">
+  <mc:AlternateContent xmlns:mc="http://schemas.openxmlformats.org/markup-compatibility/2006" xmlns:p14="http://schemas.microsoft.com/office/powerpoint/2010/main">
+    <mc:Choice Requires="p14">
       <p:transition spd="slow" p14:dur="1200" advTm="0">
         <p14:flip dir="r"/>
       </p:transition>
     </mc:Choice>
-    <mc:Fallback>
+    <mc:Fallback xmlns="">
       <p:transition spd="slow" advTm="0">
         <p:fade/>
       </p:transition>
@@ -16388,16 +16340,7 @@
                     </a:solidFill>
                     <a:ea typeface="Arial" pitchFamily="34" charset="0"/>
                   </a:rPr>
-                  <a:t>0</a:t>
-                </a:r>
-                <a:r>
-                  <a:rPr lang="en-US" altLang="zh-CN" sz="13000" b="1" dirty="0" smtClean="0">
-                    <a:solidFill>
-                      <a:schemeClr val="bg1"/>
-                    </a:solidFill>
-                    <a:ea typeface="Arial" pitchFamily="34" charset="0"/>
-                  </a:rPr>
-                  <a:t>3</a:t>
+                  <a:t>03</a:t>
                 </a:r>
                 <a:endParaRPr lang="zh-CN" altLang="en-US" sz="13000" b="1" dirty="0">
                   <a:solidFill>
@@ -16448,16 +16391,6 @@
                 </a:rPr>
                 <a:t>年度基数申报</a:t>
               </a:r>
-              <a:endParaRPr lang="zh-CN" altLang="en-US" sz="7200" dirty="0">
-                <a:solidFill>
-                  <a:schemeClr val="tx1">
-                    <a:lumMod val="65000"/>
-                    <a:lumOff val="35000"/>
-                  </a:schemeClr>
-                </a:solidFill>
-                <a:latin typeface="微软雅黑" charset="0"/>
-                <a:ea typeface="微软雅黑" charset="0"/>
-              </a:endParaRPr>
             </a:p>
           </p:txBody>
         </p:sp>
@@ -16509,13 +16442,13 @@
   <p:clrMapOvr>
     <a:masterClrMapping/>
   </p:clrMapOvr>
-  <mc:AlternateContent xmlns:mc="http://schemas.openxmlformats.org/markup-compatibility/2006">
-    <mc:Choice xmlns:p14="http://schemas.microsoft.com/office/powerpoint/2010/main" Requires="p14">
+  <mc:AlternateContent xmlns:mc="http://schemas.openxmlformats.org/markup-compatibility/2006" xmlns:p14="http://schemas.microsoft.com/office/powerpoint/2010/main">
+    <mc:Choice Requires="p14">
       <p:transition spd="slow" p14:dur="900" advTm="0">
         <p14:warp dir="in"/>
       </p:transition>
     </mc:Choice>
-    <mc:Fallback>
+    <mc:Fallback xmlns="">
       <p:transition spd="slow" advTm="0">
         <p:fade/>
       </p:transition>
@@ -17451,13 +17384,13 @@
   <p:clrMapOvr>
     <a:masterClrMapping/>
   </p:clrMapOvr>
-  <mc:AlternateContent xmlns:mc="http://schemas.openxmlformats.org/markup-compatibility/2006">
-    <mc:Choice xmlns:p14="http://schemas.microsoft.com/office/powerpoint/2010/main" Requires="p14">
+  <mc:AlternateContent xmlns:mc="http://schemas.openxmlformats.org/markup-compatibility/2006" xmlns:p14="http://schemas.microsoft.com/office/powerpoint/2010/main">
+    <mc:Choice Requires="p14">
       <p:transition spd="slow" p14:dur="1200" advTm="0">
         <p14:flip dir="r"/>
       </p:transition>
     </mc:Choice>
-    <mc:Fallback>
+    <mc:Fallback xmlns="">
       <p:transition spd="slow" advTm="0">
         <p:fade/>
       </p:transition>
@@ -17511,11 +17444,7 @@
             </a:r>
             <a:r>
               <a:rPr lang="zh-CN" altLang="en-US" sz="3600" b="1" dirty="0" smtClean="0"/>
-              <a:t>及的</a:t>
-            </a:r>
-            <a:r>
-              <a:rPr lang="zh-CN" altLang="en-US" sz="3600" b="1" dirty="0" smtClean="0"/>
-              <a:t>表和过程</a:t>
+              <a:t>及的表和过程</a:t>
             </a:r>
             <a:endParaRPr lang="zh-CN" altLang="en-US" sz="3600" b="1" dirty="0"/>
           </a:p>
@@ -17769,7 +17698,7 @@
               </a:lnSpc>
             </a:pPr>
             <a:r>
-              <a:rPr lang="en-US" altLang="zh-CN" sz="1400" dirty="0">
+              <a:rPr lang="en-US" altLang="zh-CN" sz="1400" dirty="0" smtClean="0">
                 <a:solidFill>
                   <a:schemeClr val="tx1">
                     <a:lumMod val="65000"/>
@@ -17780,22 +17709,19 @@
                 <a:ea typeface="微软雅黑" panose="020B0503020204020204" pitchFamily="34" charset="-122"/>
                 <a:sym typeface="宋体" panose="02010600030101010101" pitchFamily="2" charset="-122"/>
               </a:rPr>
-              <a:t>wsjb. </a:t>
-            </a:r>
-            <a:r>
-              <a:rPr lang="en-US" altLang="zh-CN" sz="1400" dirty="0" smtClean="0">
-                <a:solidFill>
-                  <a:schemeClr val="tx1">
-                    <a:lumMod val="65000"/>
-                    <a:lumOff val="35000"/>
-                  </a:schemeClr>
-                </a:solidFill>
-                <a:latin typeface="微软雅黑" panose="020B0503020204020204" pitchFamily="34" charset="-122"/>
-                <a:ea typeface="微软雅黑" panose="020B0503020204020204" pitchFamily="34" charset="-122"/>
-                <a:sym typeface="宋体" panose="02010600030101010101" pitchFamily="2" charset="-122"/>
-              </a:rPr>
-              <a:t>irad51</a:t>
-            </a:r>
+              <a:t>wsjb.irad51</a:t>
+            </a:r>
+            <a:endParaRPr lang="en-US" altLang="zh-CN" sz="1400" dirty="0" smtClean="0">
+              <a:solidFill>
+                <a:schemeClr val="tx1">
+                  <a:lumMod val="65000"/>
+                  <a:lumOff val="35000"/>
+                </a:schemeClr>
+              </a:solidFill>
+              <a:latin typeface="微软雅黑" panose="020B0503020204020204" pitchFamily="34" charset="-122"/>
+              <a:ea typeface="微软雅黑" panose="020B0503020204020204" pitchFamily="34" charset="-122"/>
+              <a:sym typeface="宋体" panose="02010600030101010101" pitchFamily="2" charset="-122"/>
+            </a:endParaRPr>
           </a:p>
           <a:p>
             <a:pPr lvl="0" algn="just">
@@ -17937,33 +17863,7 @@
                 <a:latin typeface="微软雅黑" panose="020B0503020204020204" pitchFamily="34" charset="-122"/>
                 <a:ea typeface="微软雅黑" panose="020B0503020204020204" pitchFamily="34" charset="-122"/>
               </a:rPr>
-              <a:t>wsjb.pkg_Yea</a:t>
-            </a:r>
-            <a:r>
-              <a:rPr lang="en-US" altLang="zh-CN" sz="1400" dirty="0">
-                <a:solidFill>
-                  <a:schemeClr val="tx1">
-                    <a:lumMod val="65000"/>
-                    <a:lumOff val="35000"/>
-                  </a:schemeClr>
-                </a:solidFill>
-                <a:latin typeface="微软雅黑" panose="020B0503020204020204" pitchFamily="34" charset="-122"/>
-                <a:ea typeface="微软雅黑" panose="020B0503020204020204" pitchFamily="34" charset="-122"/>
-              </a:rPr>
-              <a:t>r</a:t>
-            </a:r>
-            <a:r>
-              <a:rPr lang="en-US" altLang="zh-CN" sz="1400" dirty="0">
-                <a:solidFill>
-                  <a:schemeClr val="tx1">
-                    <a:lumMod val="65000"/>
-                    <a:lumOff val="35000"/>
-                  </a:schemeClr>
-                </a:solidFill>
-                <a:latin typeface="微软雅黑" panose="020B0503020204020204" pitchFamily="34" charset="-122"/>
-                <a:ea typeface="微软雅黑" panose="020B0503020204020204" pitchFamily="34" charset="-122"/>
-              </a:rPr>
-              <a:t>Apply</a:t>
+              <a:t>wsjb.pkg_YearApply</a:t>
             </a:r>
             <a:endParaRPr lang="zh-CN" altLang="en-US" sz="1400" dirty="0">
               <a:solidFill>
@@ -17988,13 +17888,13 @@
   <p:clrMapOvr>
     <a:masterClrMapping/>
   </p:clrMapOvr>
-  <mc:AlternateContent xmlns:mc="http://schemas.openxmlformats.org/markup-compatibility/2006">
-    <mc:Choice xmlns:p14="http://schemas.microsoft.com/office/powerpoint/2010/main" Requires="p14">
+  <mc:AlternateContent xmlns:mc="http://schemas.openxmlformats.org/markup-compatibility/2006" xmlns:p14="http://schemas.microsoft.com/office/powerpoint/2010/main">
+    <mc:Choice Requires="p14">
       <p:transition spd="slow" p14:dur="1200" advTm="0">
         <p14:flip dir="r"/>
       </p:transition>
     </mc:Choice>
-    <mc:Fallback>
+    <mc:Fallback xmlns="">
       <p:transition spd="slow" advTm="0">
         <p:fade/>
       </p:transition>
@@ -18180,13 +18080,13 @@
   <p:clrMapOvr>
     <a:masterClrMapping/>
   </p:clrMapOvr>
-  <mc:AlternateContent xmlns:mc="http://schemas.openxmlformats.org/markup-compatibility/2006">
-    <mc:Choice xmlns:p14="http://schemas.microsoft.com/office/powerpoint/2010/main" Requires="p14">
+  <mc:AlternateContent xmlns:mc="http://schemas.openxmlformats.org/markup-compatibility/2006" xmlns:p14="http://schemas.microsoft.com/office/powerpoint/2010/main">
+    <mc:Choice Requires="p14">
       <p:transition spd="slow" p14:dur="1200" advTm="0">
         <p14:flip dir="r"/>
       </p:transition>
     </mc:Choice>
-    <mc:Fallback>
+    <mc:Fallback xmlns="">
       <p:transition spd="slow" advTm="0">
         <p:fade/>
       </p:transition>
@@ -18393,13 +18293,13 @@
   <p:clrMapOvr>
     <a:masterClrMapping/>
   </p:clrMapOvr>
-  <mc:AlternateContent xmlns:mc="http://schemas.openxmlformats.org/markup-compatibility/2006">
-    <mc:Choice xmlns:p14="http://schemas.microsoft.com/office/powerpoint/2010/main" Requires="p14">
+  <mc:AlternateContent xmlns:mc="http://schemas.openxmlformats.org/markup-compatibility/2006" xmlns:p14="http://schemas.microsoft.com/office/powerpoint/2010/main">
+    <mc:Choice Requires="p14">
       <p:transition spd="slow" p14:dur="1200" advTm="0">
         <p14:flip dir="r"/>
       </p:transition>
     </mc:Choice>
-    <mc:Fallback>
+    <mc:Fallback xmlns="">
       <p:transition spd="slow" advTm="0">
         <p:fade/>
       </p:transition>
@@ -18697,16 +18597,6 @@
                 </a:rPr>
                 <a:t>人员在职转退休</a:t>
               </a:r>
-              <a:endParaRPr lang="zh-CN" altLang="en-US" sz="7200" dirty="0">
-                <a:solidFill>
-                  <a:schemeClr val="tx1">
-                    <a:lumMod val="65000"/>
-                    <a:lumOff val="35000"/>
-                  </a:schemeClr>
-                </a:solidFill>
-                <a:latin typeface="微软雅黑" charset="0"/>
-                <a:ea typeface="微软雅黑" charset="0"/>
-              </a:endParaRPr>
             </a:p>
           </p:txBody>
         </p:sp>
@@ -18758,13 +18648,13 @@
   <p:clrMapOvr>
     <a:masterClrMapping/>
   </p:clrMapOvr>
-  <mc:AlternateContent xmlns:mc="http://schemas.openxmlformats.org/markup-compatibility/2006">
-    <mc:Choice xmlns:p14="http://schemas.microsoft.com/office/powerpoint/2010/main" Requires="p14">
+  <mc:AlternateContent xmlns:mc="http://schemas.openxmlformats.org/markup-compatibility/2006" xmlns:p14="http://schemas.microsoft.com/office/powerpoint/2010/main">
+    <mc:Choice Requires="p14">
       <p:transition spd="slow" p14:dur="900" advTm="0">
         <p14:warp dir="in"/>
       </p:transition>
     </mc:Choice>
-    <mc:Fallback>
+    <mc:Fallback xmlns="">
       <p:transition spd="slow" advTm="0">
         <p:fade/>
       </p:transition>
@@ -18818,11 +18708,7 @@
             </a:r>
             <a:r>
               <a:rPr lang="zh-CN" altLang="en-US" sz="3600" b="1" dirty="0" smtClean="0"/>
-              <a:t>及的</a:t>
-            </a:r>
-            <a:r>
-              <a:rPr lang="zh-CN" altLang="en-US" sz="3600" b="1" dirty="0" smtClean="0"/>
-              <a:t>表和过程</a:t>
+              <a:t>及的表和过程</a:t>
             </a:r>
             <a:endParaRPr lang="zh-CN" altLang="en-US" sz="3600" b="1" dirty="0"/>
           </a:p>
@@ -18837,7 +18723,7 @@
         <p:spPr>
           <a:xfrm>
             <a:off x="1271564" y="2339628"/>
-            <a:ext cx="8856984" cy="3410164"/>
+            <a:ext cx="8856984" cy="4013406"/>
           </a:xfrm>
           <a:prstGeom prst="rect">
             <a:avLst/>
@@ -19009,6 +18895,59 @@
             </a:r>
           </a:p>
           <a:p>
+            <a:pPr algn="just">
+              <a:lnSpc>
+                <a:spcPct val="140000"/>
+              </a:lnSpc>
+            </a:pPr>
+            <a:r>
+              <a:rPr lang="en-US" altLang="zh-CN" sz="1400" dirty="0" smtClean="0">
+                <a:solidFill>
+                  <a:schemeClr val="tx1">
+                    <a:lumMod val="65000"/>
+                    <a:lumOff val="35000"/>
+                  </a:schemeClr>
+                </a:solidFill>
+                <a:latin typeface="微软雅黑" panose="020B0503020204020204" pitchFamily="34" charset="-122"/>
+                <a:ea typeface="微软雅黑" panose="020B0503020204020204" pitchFamily="34" charset="-122"/>
+                <a:sym typeface="宋体" panose="02010600030101010101" pitchFamily="2" charset="-122"/>
+              </a:rPr>
+              <a:t>xasi2.ac01k1</a:t>
+            </a:r>
+          </a:p>
+          <a:p>
+            <a:pPr algn="just">
+              <a:lnSpc>
+                <a:spcPct val="140000"/>
+              </a:lnSpc>
+            </a:pPr>
+            <a:r>
+              <a:rPr lang="en-US" altLang="zh-CN" sz="1400" dirty="0" smtClean="0">
+                <a:solidFill>
+                  <a:schemeClr val="tx1">
+                    <a:lumMod val="65000"/>
+                    <a:lumOff val="35000"/>
+                  </a:schemeClr>
+                </a:solidFill>
+                <a:latin typeface="微软雅黑" panose="020B0503020204020204" pitchFamily="34" charset="-122"/>
+                <a:ea typeface="微软雅黑" panose="020B0503020204020204" pitchFamily="34" charset="-122"/>
+                <a:sym typeface="宋体" panose="02010600030101010101" pitchFamily="2" charset="-122"/>
+              </a:rPr>
+              <a:t>xasi2.ac02_apply</a:t>
+            </a:r>
+            <a:endParaRPr lang="en-US" altLang="zh-CN" sz="1400" dirty="0">
+              <a:solidFill>
+                <a:schemeClr val="tx1">
+                  <a:lumMod val="65000"/>
+                  <a:lumOff val="35000"/>
+                </a:schemeClr>
+              </a:solidFill>
+              <a:latin typeface="微软雅黑" panose="020B0503020204020204" pitchFamily="34" charset="-122"/>
+              <a:ea typeface="微软雅黑" panose="020B0503020204020204" pitchFamily="34" charset="-122"/>
+              <a:sym typeface="宋体" panose="02010600030101010101" pitchFamily="2" charset="-122"/>
+            </a:endParaRPr>
+          </a:p>
+          <a:p>
             <a:pPr lvl="0" algn="just" eaLnBrk="1" hangingPunct="1">
               <a:lnSpc>
                 <a:spcPct val="140000"/>
@@ -19111,13 +19050,13 @@
   <p:clrMapOvr>
     <a:masterClrMapping/>
   </p:clrMapOvr>
-  <mc:AlternateContent xmlns:mc="http://schemas.openxmlformats.org/markup-compatibility/2006">
-    <mc:Choice xmlns:p14="http://schemas.microsoft.com/office/powerpoint/2010/main" Requires="p14">
+  <mc:AlternateContent xmlns:mc="http://schemas.openxmlformats.org/markup-compatibility/2006" xmlns:p14="http://schemas.microsoft.com/office/powerpoint/2010/main">
+    <mc:Choice Requires="p14">
       <p:transition spd="slow" p14:dur="1200" advTm="0">
         <p14:flip dir="r"/>
       </p:transition>
     </mc:Choice>
-    <mc:Fallback>
+    <mc:Fallback xmlns="">
       <p:transition spd="slow" advTm="0">
         <p:fade/>
       </p:transition>
@@ -19617,13 +19556,13 @@
   <p:clrMapOvr>
     <a:masterClrMapping/>
   </p:clrMapOvr>
-  <mc:AlternateContent xmlns:mc="http://schemas.openxmlformats.org/markup-compatibility/2006">
-    <mc:Choice xmlns:p14="http://schemas.microsoft.com/office/powerpoint/2010/main" Requires="p14">
+  <mc:AlternateContent xmlns:mc="http://schemas.openxmlformats.org/markup-compatibility/2006" xmlns:p14="http://schemas.microsoft.com/office/powerpoint/2010/main">
+    <mc:Choice Requires="p14">
       <p:transition spd="slow" p14:dur="1200" advTm="0">
         <p14:flip dir="r"/>
       </p:transition>
     </mc:Choice>
-    <mc:Fallback>
+    <mc:Fallback xmlns="">
       <p:transition spd="slow" advTm="0">
         <p:fade/>
       </p:transition>
@@ -20149,13 +20088,13 @@
   <p:clrMapOvr>
     <a:masterClrMapping/>
   </p:clrMapOvr>
-  <mc:AlternateContent xmlns:mc="http://schemas.openxmlformats.org/markup-compatibility/2006">
-    <mc:Choice xmlns:p14="http://schemas.microsoft.com/office/powerpoint/2010/main" Requires="p14">
+  <mc:AlternateContent xmlns:mc="http://schemas.openxmlformats.org/markup-compatibility/2006" xmlns:p14="http://schemas.microsoft.com/office/powerpoint/2010/main">
+    <mc:Choice Requires="p14">
       <p:transition spd="slow" p14:dur="1200" advTm="0">
         <p14:flip dir="r"/>
       </p:transition>
     </mc:Choice>
-    <mc:Fallback>
+    <mc:Fallback xmlns="">
       <p:transition spd="slow" advTm="0">
         <p:fade/>
       </p:transition>
@@ -20348,13 +20287,13 @@
   <p:clrMapOvr>
     <a:masterClrMapping/>
   </p:clrMapOvr>
-  <mc:AlternateContent xmlns:mc="http://schemas.openxmlformats.org/markup-compatibility/2006">
-    <mc:Choice xmlns:p14="http://schemas.microsoft.com/office/powerpoint/2010/main" Requires="p14">
+  <mc:AlternateContent xmlns:mc="http://schemas.openxmlformats.org/markup-compatibility/2006" xmlns:p14="http://schemas.microsoft.com/office/powerpoint/2010/main">
+    <mc:Choice Requires="p14">
       <p:transition spd="slow" p14:dur="1200" advTm="0">
         <p14:flip dir="r"/>
       </p:transition>
     </mc:Choice>
-    <mc:Fallback>
+    <mc:Fallback xmlns="">
       <p:transition spd="slow" advTm="0">
         <p:fade/>
       </p:transition>
@@ -20553,13 +20492,13 @@
   <p:clrMapOvr>
     <a:masterClrMapping/>
   </p:clrMapOvr>
-  <mc:AlternateContent xmlns:mc="http://schemas.openxmlformats.org/markup-compatibility/2006">
-    <mc:Choice xmlns:p14="http://schemas.microsoft.com/office/powerpoint/2010/main" Requires="p14">
+  <mc:AlternateContent xmlns:mc="http://schemas.openxmlformats.org/markup-compatibility/2006" xmlns:p14="http://schemas.microsoft.com/office/powerpoint/2010/main">
+    <mc:Choice Requires="p14">
       <p:transition spd="slow" p14:dur="1200" advTm="0">
         <p14:flip dir="r"/>
       </p:transition>
     </mc:Choice>
-    <mc:Fallback>
+    <mc:Fallback xmlns="">
       <p:transition spd="slow" advTm="0">
         <p:fade/>
       </p:transition>
@@ -20797,16 +20736,7 @@
                     </a:solidFill>
                     <a:ea typeface="Arial" pitchFamily="34" charset="0"/>
                   </a:rPr>
-                  <a:t>0</a:t>
-                </a:r>
-                <a:r>
-                  <a:rPr lang="en-US" altLang="zh-CN" sz="13000" b="1" dirty="0" smtClean="0">
-                    <a:solidFill>
-                      <a:schemeClr val="bg1"/>
-                    </a:solidFill>
-                    <a:ea typeface="Arial" pitchFamily="34" charset="0"/>
-                  </a:rPr>
-                  <a:t>1</a:t>
+                  <a:t>01</a:t>
                 </a:r>
                 <a:endParaRPr lang="zh-CN" altLang="en-US" sz="13000" b="1" dirty="0">
                   <a:solidFill>
@@ -20931,13 +20861,13 @@
   <p:clrMapOvr>
     <a:masterClrMapping/>
   </p:clrMapOvr>
-  <mc:AlternateContent xmlns:mc="http://schemas.openxmlformats.org/markup-compatibility/2006">
-    <mc:Choice xmlns:p14="http://schemas.microsoft.com/office/powerpoint/2010/main" Requires="p14">
+  <mc:AlternateContent xmlns:mc="http://schemas.openxmlformats.org/markup-compatibility/2006" xmlns:p14="http://schemas.microsoft.com/office/powerpoint/2010/main">
+    <mc:Choice Requires="p14">
       <p:transition spd="slow" p14:dur="900" advTm="0">
         <p14:warp dir="in"/>
       </p:transition>
     </mc:Choice>
-    <mc:Fallback>
+    <mc:Fallback xmlns="">
       <p:transition spd="slow" advTm="0">
         <p:fade/>
       </p:transition>
@@ -21162,13 +21092,13 @@
   <p:clrMapOvr>
     <a:masterClrMapping/>
   </p:clrMapOvr>
-  <mc:AlternateContent xmlns:mc="http://schemas.openxmlformats.org/markup-compatibility/2006">
-    <mc:Choice xmlns:p14="http://schemas.microsoft.com/office/powerpoint/2010/main" Requires="p14">
+  <mc:AlternateContent xmlns:mc="http://schemas.openxmlformats.org/markup-compatibility/2006" xmlns:p14="http://schemas.microsoft.com/office/powerpoint/2010/main">
+    <mc:Choice Requires="p14">
       <p:transition spd="slow" p14:dur="1200" advTm="0">
         <p14:flip dir="r"/>
       </p:transition>
     </mc:Choice>
-    <mc:Fallback>
+    <mc:Fallback xmlns="">
       <p:transition spd="slow" advTm="0">
         <p:fade/>
       </p:transition>
@@ -21361,13 +21291,13 @@
   <p:clrMapOvr>
     <a:masterClrMapping/>
   </p:clrMapOvr>
-  <mc:AlternateContent xmlns:mc="http://schemas.openxmlformats.org/markup-compatibility/2006">
-    <mc:Choice xmlns:p14="http://schemas.microsoft.com/office/powerpoint/2010/main" Requires="p14">
+  <mc:AlternateContent xmlns:mc="http://schemas.openxmlformats.org/markup-compatibility/2006" xmlns:p14="http://schemas.microsoft.com/office/powerpoint/2010/main">
+    <mc:Choice Requires="p14">
       <p:transition spd="slow" p14:dur="1200" advTm="0">
         <p14:flip dir="r"/>
       </p:transition>
     </mc:Choice>
-    <mc:Fallback>
+    <mc:Fallback xmlns="">
       <p:transition spd="slow" advTm="0">
         <p:fade/>
       </p:transition>
@@ -21438,7 +21368,7 @@
         <p:spPr>
           <a:xfrm>
             <a:off x="497933" y="2123604"/>
-            <a:ext cx="10027675" cy="6740307"/>
+            <a:ext cx="10027675" cy="6463308"/>
           </a:xfrm>
           <a:prstGeom prst="rect">
             <a:avLst/>
@@ -21827,64 +21757,52 @@
           </a:p>
           <a:p>
             <a:r>
-              <a:rPr lang="en-US" altLang="zh-CN" dirty="0" smtClean="0"/>
-              <a:t>(1)</a:t>
-            </a:r>
-            <a:r>
-              <a:rPr lang="zh-CN" altLang="zh-CN" dirty="0" smtClean="0"/>
-              <a:t>系</a:t>
-            </a:r>
-            <a:r>
-              <a:rPr lang="zh-CN" altLang="zh-CN" dirty="0"/>
-              <a:t>统自动将人</a:t>
-            </a:r>
-            <a:r>
-              <a:rPr lang="zh-CN" altLang="zh-CN" dirty="0" smtClean="0"/>
-              <a:t>员居</a:t>
-            </a:r>
-            <a:r>
-              <a:rPr lang="zh-CN" altLang="zh-CN" dirty="0"/>
-              <a:t>民实缴数据计入视</a:t>
-            </a:r>
-            <a:r>
-              <a:rPr lang="zh-CN" altLang="zh-CN" dirty="0" smtClean="0"/>
-              <a:t>同。</a:t>
-            </a:r>
-            <a:endParaRPr lang="en-US" altLang="zh-CN" dirty="0" smtClean="0"/>
-          </a:p>
-          <a:p>
-            <a:r>
-              <a:rPr lang="en-US" altLang="zh-CN" dirty="0" smtClean="0"/>
-              <a:t>(2)</a:t>
-            </a:r>
-            <a:r>
-              <a:rPr lang="zh-CN" altLang="zh-CN" dirty="0" smtClean="0"/>
-              <a:t>视</a:t>
-            </a:r>
-            <a:r>
-              <a:rPr lang="zh-CN" altLang="zh-CN" dirty="0"/>
-              <a:t>同与实缴时间段不能交</a:t>
-            </a:r>
-            <a:r>
-              <a:rPr lang="zh-CN" altLang="zh-CN" dirty="0" smtClean="0"/>
-              <a:t>叉</a:t>
-            </a:r>
-            <a:endParaRPr lang="en-US" altLang="zh-CN" dirty="0" smtClean="0"/>
-          </a:p>
-          <a:p>
-            <a:r>
-              <a:rPr lang="en-US" altLang="zh-CN" dirty="0" smtClean="0"/>
-              <a:t>(3)</a:t>
-            </a:r>
-            <a:r>
-              <a:rPr lang="zh-CN" altLang="zh-CN" dirty="0"/>
-              <a:t>视同与视同时间段不能交</a:t>
-            </a:r>
-            <a:r>
-              <a:rPr lang="zh-CN" altLang="zh-CN" dirty="0" smtClean="0"/>
-              <a:t>叉</a:t>
-            </a:r>
-            <a:endParaRPr lang="en-US" altLang="zh-CN" dirty="0" smtClean="0"/>
+              <a:rPr lang="en-US" altLang="zh-CN" dirty="0"/>
+              <a:t>001</a:t>
+            </a:r>
+            <a:r>
+              <a:rPr lang="zh-CN" altLang="en-US" dirty="0"/>
+              <a:t> </a:t>
+            </a:r>
+            <a:r>
+              <a:rPr lang="en-US" altLang="zh-CN" dirty="0"/>
+              <a:t>005</a:t>
+            </a:r>
+            <a:r>
+              <a:rPr lang="zh-CN" altLang="en-US" dirty="0"/>
+              <a:t> </a:t>
+            </a:r>
+            <a:r>
+              <a:rPr lang="en-US" altLang="zh-CN" dirty="0"/>
+              <a:t>007</a:t>
+            </a:r>
+            <a:endParaRPr lang="zh-CN" altLang="en-US" dirty="0"/>
+          </a:p>
+          <a:p>
+            <a:r>
+              <a:rPr lang="en-US" altLang="zh-CN" dirty="0"/>
+              <a:t>009</a:t>
+            </a:r>
+            <a:r>
+              <a:rPr lang="zh-CN" altLang="en-US" dirty="0"/>
+              <a:t> 居民视同 </a:t>
+            </a:r>
+            <a:r>
+              <a:rPr lang="en-US" altLang="zh-CN" dirty="0"/>
+              <a:t>008</a:t>
+            </a:r>
+            <a:r>
+              <a:rPr lang="zh-CN" altLang="en-US" dirty="0"/>
+              <a:t>高新以外实缴视同  </a:t>
+            </a:r>
+            <a:r>
+              <a:rPr lang="en-US" altLang="zh-CN" dirty="0"/>
+              <a:t>015</a:t>
+            </a:r>
+            <a:r>
+              <a:rPr lang="zh-CN" altLang="en-US" dirty="0"/>
+              <a:t>咸阳转入实际年限认定</a:t>
+            </a:r>
           </a:p>
           <a:p>
             <a:endParaRPr lang="zh-CN" altLang="zh-CN" dirty="0"/>
@@ -21916,13 +21834,13 @@
   <p:clrMapOvr>
     <a:masterClrMapping/>
   </p:clrMapOvr>
-  <mc:AlternateContent xmlns:mc="http://schemas.openxmlformats.org/markup-compatibility/2006">
-    <mc:Choice xmlns:p14="http://schemas.microsoft.com/office/powerpoint/2010/main" Requires="p14">
+  <mc:AlternateContent xmlns:mc="http://schemas.openxmlformats.org/markup-compatibility/2006" xmlns:p14="http://schemas.microsoft.com/office/powerpoint/2010/main">
+    <mc:Choice Requires="p14">
       <p:transition spd="slow" p14:dur="1200" advTm="0">
         <p14:flip dir="r"/>
       </p:transition>
     </mc:Choice>
-    <mc:Fallback>
+    <mc:Fallback xmlns="">
       <p:transition spd="slow" advTm="0">
         <p:fade/>
       </p:transition>
@@ -22055,10 +21973,6 @@
               </a:rPr>
               <a:t>人员增减</a:t>
             </a:r>
-            <a:endParaRPr lang="zh-CN" altLang="en-US" sz="3600" b="1" dirty="0">
-              <a:latin typeface="微软雅黑" charset="0"/>
-              <a:ea typeface="微软雅黑" charset="0"/>
-            </a:endParaRPr>
           </a:p>
         </p:txBody>
       </p:sp>
@@ -22462,13 +22376,13 @@
   <p:clrMapOvr>
     <a:masterClrMapping/>
   </p:clrMapOvr>
-  <mc:AlternateContent xmlns:mc="http://schemas.openxmlformats.org/markup-compatibility/2006">
-    <mc:Choice xmlns:p14="http://schemas.microsoft.com/office/powerpoint/2010/main" Requires="p14">
+  <mc:AlternateContent xmlns:mc="http://schemas.openxmlformats.org/markup-compatibility/2006" xmlns:p14="http://schemas.microsoft.com/office/powerpoint/2010/main">
+    <mc:Choice Requires="p14">
       <p:transition spd="slow" p14:dur="1200" advTm="0">
         <p14:flip dir="r"/>
       </p:transition>
     </mc:Choice>
-    <mc:Fallback>
+    <mc:Fallback xmlns="">
       <p:transition spd="slow" advTm="0">
         <p:fade/>
       </p:transition>
@@ -22552,10 +22466,6 @@
               </a:rPr>
               <a:t>人员增减</a:t>
             </a:r>
-            <a:endParaRPr lang="zh-CN" altLang="en-US" sz="3600" b="1" dirty="0">
-              <a:latin typeface="微软雅黑" charset="0"/>
-              <a:ea typeface="微软雅黑" charset="0"/>
-            </a:endParaRPr>
           </a:p>
         </p:txBody>
       </p:sp>
@@ -22959,13 +22869,13 @@
   <p:clrMapOvr>
     <a:masterClrMapping/>
   </p:clrMapOvr>
-  <mc:AlternateContent xmlns:mc="http://schemas.openxmlformats.org/markup-compatibility/2006">
-    <mc:Choice xmlns:p14="http://schemas.microsoft.com/office/powerpoint/2010/main" Requires="p14">
+  <mc:AlternateContent xmlns:mc="http://schemas.openxmlformats.org/markup-compatibility/2006" xmlns:p14="http://schemas.microsoft.com/office/powerpoint/2010/main">
+    <mc:Choice Requires="p14">
       <p:transition spd="slow" p14:dur="1200" advTm="0">
         <p14:flip dir="r"/>
       </p:transition>
     </mc:Choice>
-    <mc:Fallback>
+    <mc:Fallback xmlns="">
       <p:transition spd="slow" advTm="0">
         <p:fade/>
       </p:transition>
@@ -23019,11 +22929,7 @@
             </a:r>
             <a:r>
               <a:rPr lang="zh-CN" altLang="en-US" sz="3600" b="1" dirty="0" smtClean="0"/>
-              <a:t>及的</a:t>
-            </a:r>
-            <a:r>
-              <a:rPr lang="zh-CN" altLang="en-US" sz="3600" b="1" dirty="0" smtClean="0"/>
-              <a:t>表和过程</a:t>
+              <a:t>及的表和过程</a:t>
             </a:r>
             <a:endParaRPr lang="zh-CN" altLang="en-US" sz="3600" b="1" dirty="0"/>
           </a:p>
@@ -23298,20 +23204,7 @@
                 <a:latin typeface="微软雅黑" panose="020B0503020204020204" pitchFamily="34" charset="-122"/>
                 <a:ea typeface="微软雅黑" panose="020B0503020204020204" pitchFamily="34" charset="-122"/>
               </a:rPr>
-              <a:t>wsjb.i</a:t>
-            </a:r>
-            <a:r>
-              <a:rPr lang="en-US" altLang="zh-CN" sz="1400" dirty="0" smtClean="0">
-                <a:solidFill>
-                  <a:schemeClr val="tx1">
-                    <a:lumMod val="65000"/>
-                    <a:lumOff val="35000"/>
-                  </a:schemeClr>
-                </a:solidFill>
-                <a:latin typeface="微软雅黑" panose="020B0503020204020204" pitchFamily="34" charset="-122"/>
-                <a:ea typeface="微软雅黑" panose="020B0503020204020204" pitchFamily="34" charset="-122"/>
-              </a:rPr>
-              <a:t>rac01</a:t>
+              <a:t>wsjb.irac01</a:t>
             </a:r>
           </a:p>
           <a:p>
@@ -23462,13 +23355,13 @@
   <p:clrMapOvr>
     <a:masterClrMapping/>
   </p:clrMapOvr>
-  <mc:AlternateContent xmlns:mc="http://schemas.openxmlformats.org/markup-compatibility/2006">
-    <mc:Choice xmlns:p14="http://schemas.microsoft.com/office/powerpoint/2010/main" Requires="p14">
+  <mc:AlternateContent xmlns:mc="http://schemas.openxmlformats.org/markup-compatibility/2006" xmlns:p14="http://schemas.microsoft.com/office/powerpoint/2010/main">
+    <mc:Choice Requires="p14">
       <p:transition spd="slow" p14:dur="1200" advTm="0">
         <p14:flip dir="r"/>
       </p:transition>
     </mc:Choice>
-    <mc:Fallback>
+    <mc:Fallback xmlns="">
       <p:transition spd="slow" advTm="0">
         <p:fade/>
       </p:transition>
@@ -23526,10 +23419,6 @@
               </a:rPr>
               <a:t>人员新参保</a:t>
             </a:r>
-            <a:endParaRPr lang="zh-CN" altLang="en-US" sz="3600" b="1" noProof="1">
-              <a:latin typeface="微软雅黑" panose="020B0503020204020204" pitchFamily="34" charset="-122"/>
-              <a:ea typeface="微软雅黑" panose="020B0503020204020204" pitchFamily="34" charset="-122"/>
-            </a:endParaRPr>
           </a:p>
         </p:txBody>
       </p:sp>
@@ -23657,13 +23546,13 @@
   <p:clrMapOvr>
     <a:masterClrMapping/>
   </p:clrMapOvr>
-  <mc:AlternateContent xmlns:mc="http://schemas.openxmlformats.org/markup-compatibility/2006">
-    <mc:Choice xmlns:p14="http://schemas.microsoft.com/office/powerpoint/2010/main" Requires="p14">
+  <mc:AlternateContent xmlns:mc="http://schemas.openxmlformats.org/markup-compatibility/2006" xmlns:p14="http://schemas.microsoft.com/office/powerpoint/2010/main">
+    <mc:Choice Requires="p14">
       <p:transition spd="slow" p14:dur="1200" advTm="0">
         <p14:flip dir="r"/>
       </p:transition>
     </mc:Choice>
-    <mc:Fallback>
+    <mc:Fallback xmlns="">
       <p:transition spd="slow" advTm="0">
         <p:fade/>
       </p:transition>
@@ -23721,10 +23610,6 @@
               </a:rPr>
               <a:t>人员续保</a:t>
             </a:r>
-            <a:endParaRPr lang="zh-CN" altLang="en-US" sz="3600" b="1" noProof="1">
-              <a:latin typeface="微软雅黑" panose="020B0503020204020204" pitchFamily="34" charset="-122"/>
-              <a:ea typeface="微软雅黑" panose="020B0503020204020204" pitchFamily="34" charset="-122"/>
-            </a:endParaRPr>
           </a:p>
         </p:txBody>
       </p:sp>
@@ -23904,13 +23789,13 @@
   <p:clrMapOvr>
     <a:masterClrMapping/>
   </p:clrMapOvr>
-  <mc:AlternateContent xmlns:mc="http://schemas.openxmlformats.org/markup-compatibility/2006">
-    <mc:Choice xmlns:p14="http://schemas.microsoft.com/office/powerpoint/2010/main" Requires="p14">
+  <mc:AlternateContent xmlns:mc="http://schemas.openxmlformats.org/markup-compatibility/2006" xmlns:p14="http://schemas.microsoft.com/office/powerpoint/2010/main">
+    <mc:Choice Requires="p14">
       <p:transition spd="slow" p14:dur="1200" advTm="0">
         <p14:flip dir="r"/>
       </p:transition>
     </mc:Choice>
-    <mc:Fallback>
+    <mc:Fallback xmlns="">
       <p:transition spd="slow" advTm="0">
         <p:fade/>
       </p:transition>
@@ -24108,13 +23993,13 @@
   <p:clrMapOvr>
     <a:masterClrMapping/>
   </p:clrMapOvr>
-  <mc:AlternateContent xmlns:mc="http://schemas.openxmlformats.org/markup-compatibility/2006">
-    <mc:Choice xmlns:p14="http://schemas.microsoft.com/office/powerpoint/2010/main" Requires="p14">
+  <mc:AlternateContent xmlns:mc="http://schemas.openxmlformats.org/markup-compatibility/2006" xmlns:p14="http://schemas.microsoft.com/office/powerpoint/2010/main">
+    <mc:Choice Requires="p14">
       <p:transition spd="slow" p14:dur="1200" advTm="0">
         <p14:flip dir="r"/>
       </p:transition>
     </mc:Choice>
-    <mc:Fallback>
+    <mc:Fallback xmlns="">
       <p:transition spd="slow" advTm="0">
         <p:fade/>
       </p:transition>

--- a/高新参保培训.pptx
+++ b/高新参保培训.pptx
@@ -17711,17 +17711,6 @@
               </a:rPr>
               <a:t>wsjb.irad51</a:t>
             </a:r>
-            <a:endParaRPr lang="en-US" altLang="zh-CN" sz="1400" dirty="0" smtClean="0">
-              <a:solidFill>
-                <a:schemeClr val="tx1">
-                  <a:lumMod val="65000"/>
-                  <a:lumOff val="35000"/>
-                </a:schemeClr>
-              </a:solidFill>
-              <a:latin typeface="微软雅黑" panose="020B0503020204020204" pitchFamily="34" charset="-122"/>
-              <a:ea typeface="微软雅黑" panose="020B0503020204020204" pitchFamily="34" charset="-122"/>
-              <a:sym typeface="宋体" panose="02010600030101010101" pitchFamily="2" charset="-122"/>
-            </a:endParaRPr>
           </a:p>
           <a:p>
             <a:pPr lvl="0" algn="just">
@@ -21368,7 +21357,7 @@
         <p:spPr>
           <a:xfrm>
             <a:off x="497933" y="2123604"/>
-            <a:ext cx="10027675" cy="6463308"/>
+            <a:ext cx="10027675" cy="6740307"/>
           </a:xfrm>
           <a:prstGeom prst="rect">
             <a:avLst/>
@@ -21757,52 +21746,88 @@
           </a:p>
           <a:p>
             <a:r>
-              <a:rPr lang="en-US" altLang="zh-CN" dirty="0"/>
+              <a:rPr lang="en-US" altLang="zh-CN" dirty="0" smtClean="0"/>
               <a:t>001</a:t>
             </a:r>
             <a:r>
               <a:rPr lang="zh-CN" altLang="en-US" dirty="0"/>
-              <a:t> </a:t>
-            </a:r>
-            <a:r>
-              <a:rPr lang="en-US" altLang="zh-CN" dirty="0"/>
+              <a:t>工龄视同年</a:t>
+            </a:r>
+            <a:r>
+              <a:rPr lang="zh-CN" altLang="en-US" dirty="0" smtClean="0"/>
+              <a:t>限 </a:t>
+            </a:r>
+            <a:r>
+              <a:rPr lang="en-US" altLang="zh-CN" dirty="0" smtClean="0"/>
               <a:t>005</a:t>
             </a:r>
             <a:r>
               <a:rPr lang="zh-CN" altLang="en-US" dirty="0"/>
-              <a:t> </a:t>
-            </a:r>
-            <a:r>
-              <a:rPr lang="en-US" altLang="zh-CN" dirty="0"/>
+              <a:t>外地转入形成视同年</a:t>
+            </a:r>
+            <a:r>
+              <a:rPr lang="zh-CN" altLang="en-US" dirty="0" smtClean="0"/>
+              <a:t>限 </a:t>
+            </a:r>
+            <a:r>
+              <a:rPr lang="en-US" altLang="zh-CN" dirty="0" smtClean="0"/>
               <a:t>007</a:t>
             </a:r>
+            <a:r>
+              <a:rPr lang="zh-CN" altLang="en-US" dirty="0"/>
+              <a:t>提前退休扣减年</a:t>
+            </a:r>
+            <a:r>
+              <a:rPr lang="zh-CN" altLang="en-US" dirty="0" smtClean="0"/>
+              <a:t>限</a:t>
+            </a:r>
+            <a:endParaRPr lang="en-US" altLang="zh-CN" dirty="0" smtClean="0"/>
+          </a:p>
+          <a:p>
             <a:endParaRPr lang="zh-CN" altLang="en-US" dirty="0"/>
           </a:p>
           <a:p>
             <a:r>
-              <a:rPr lang="en-US" altLang="zh-CN" dirty="0"/>
+              <a:rPr lang="en-US" altLang="zh-CN" dirty="0" smtClean="0"/>
               <a:t>009</a:t>
             </a:r>
             <a:r>
               <a:rPr lang="zh-CN" altLang="en-US" dirty="0"/>
-              <a:t> 居民视同 </a:t>
-            </a:r>
-            <a:r>
-              <a:rPr lang="en-US" altLang="zh-CN" dirty="0"/>
+              <a:t>居民缴费形成年</a:t>
+            </a:r>
+            <a:r>
+              <a:rPr lang="zh-CN" altLang="en-US" dirty="0" smtClean="0"/>
+              <a:t>限 </a:t>
+            </a:r>
+            <a:r>
+              <a:rPr lang="en-US" altLang="zh-CN" dirty="0" smtClean="0"/>
               <a:t>008</a:t>
             </a:r>
             <a:r>
               <a:rPr lang="zh-CN" altLang="en-US" dirty="0"/>
-              <a:t>高新以外实缴视同  </a:t>
-            </a:r>
-            <a:r>
-              <a:rPr lang="en-US" altLang="zh-CN" dirty="0"/>
+              <a:t>补录老系统实缴信</a:t>
+            </a:r>
+            <a:r>
+              <a:rPr lang="zh-CN" altLang="en-US" dirty="0" smtClean="0"/>
+              <a:t>息 </a:t>
+            </a:r>
+            <a:r>
+              <a:rPr lang="en-US" altLang="zh-CN" dirty="0" smtClean="0"/>
               <a:t>015</a:t>
             </a:r>
             <a:r>
               <a:rPr lang="zh-CN" altLang="en-US" dirty="0"/>
-              <a:t>咸阳转入实际年限认定</a:t>
-            </a:r>
+              <a:t>咸阳转入实际年限认</a:t>
+            </a:r>
+            <a:r>
+              <a:rPr lang="zh-CN" altLang="en-US" dirty="0" smtClean="0"/>
+              <a:t>定 </a:t>
+            </a:r>
+            <a:r>
+              <a:rPr lang="en-US" altLang="zh-CN" dirty="0" smtClean="0"/>
+              <a:t>kc03ko</a:t>
+            </a:r>
+            <a:endParaRPr lang="zh-CN" altLang="en-US" dirty="0"/>
           </a:p>
           <a:p>
             <a:endParaRPr lang="zh-CN" altLang="zh-CN" dirty="0"/>
